--- a/K8S源码.pptx
+++ b/K8S源码.pptx
@@ -106,7 +106,7 @@
   </p:defaultTextStyle>
   <p:extLst>
     <p:ext uri="{EFAFB233-063F-42B5-8137-9DF3F51BA10A}">
-      <p15:sldGuideLst xmlns="" xmlns:p15="http://schemas.microsoft.com/office/powerpoint/2012/main">
+      <p15:sldGuideLst xmlns:p15="http://schemas.microsoft.com/office/powerpoint/2012/main" xmlns="">
         <p15:guide id="1" orient="horz" pos="10207">
           <p15:clr>
             <a:srgbClr val="A4A3A4"/>
@@ -304,7 +304,7 @@
           <a:p>
             <a:fld id="{0FEC98C1-A7DC-9244-867F-999528E079BC}" type="datetimeFigureOut">
               <a:rPr kumimoji="1" lang="zh-CN" altLang="en-US" smtClean="0"/>
-              <a:t>19/5/12</a:t>
+              <a:t>19/5/13</a:t>
             </a:fld>
             <a:endParaRPr kumimoji="1" lang="zh-CN" altLang="en-US"/>
           </a:p>
@@ -474,7 +474,7 @@
           <a:p>
             <a:fld id="{0FEC98C1-A7DC-9244-867F-999528E079BC}" type="datetimeFigureOut">
               <a:rPr kumimoji="1" lang="zh-CN" altLang="en-US" smtClean="0"/>
-              <a:t>19/5/12</a:t>
+              <a:t>19/5/13</a:t>
             </a:fld>
             <a:endParaRPr kumimoji="1" lang="zh-CN" altLang="en-US"/>
           </a:p>
@@ -654,7 +654,7 @@
           <a:p>
             <a:fld id="{0FEC98C1-A7DC-9244-867F-999528E079BC}" type="datetimeFigureOut">
               <a:rPr kumimoji="1" lang="zh-CN" altLang="en-US" smtClean="0"/>
-              <a:t>19/5/12</a:t>
+              <a:t>19/5/13</a:t>
             </a:fld>
             <a:endParaRPr kumimoji="1" lang="zh-CN" altLang="en-US"/>
           </a:p>
@@ -824,7 +824,7 @@
           <a:p>
             <a:fld id="{0FEC98C1-A7DC-9244-867F-999528E079BC}" type="datetimeFigureOut">
               <a:rPr kumimoji="1" lang="zh-CN" altLang="en-US" smtClean="0"/>
-              <a:t>19/5/12</a:t>
+              <a:t>19/5/13</a:t>
             </a:fld>
             <a:endParaRPr kumimoji="1" lang="zh-CN" altLang="en-US"/>
           </a:p>
@@ -1070,7 +1070,7 @@
           <a:p>
             <a:fld id="{0FEC98C1-A7DC-9244-867F-999528E079BC}" type="datetimeFigureOut">
               <a:rPr kumimoji="1" lang="zh-CN" altLang="en-US" smtClean="0"/>
-              <a:t>19/5/12</a:t>
+              <a:t>19/5/13</a:t>
             </a:fld>
             <a:endParaRPr kumimoji="1" lang="zh-CN" altLang="en-US"/>
           </a:p>
@@ -1358,7 +1358,7 @@
           <a:p>
             <a:fld id="{0FEC98C1-A7DC-9244-867F-999528E079BC}" type="datetimeFigureOut">
               <a:rPr kumimoji="1" lang="zh-CN" altLang="en-US" smtClean="0"/>
-              <a:t>19/5/12</a:t>
+              <a:t>19/5/13</a:t>
             </a:fld>
             <a:endParaRPr kumimoji="1" lang="zh-CN" altLang="en-US"/>
           </a:p>
@@ -1780,7 +1780,7 @@
           <a:p>
             <a:fld id="{0FEC98C1-A7DC-9244-867F-999528E079BC}" type="datetimeFigureOut">
               <a:rPr kumimoji="1" lang="zh-CN" altLang="en-US" smtClean="0"/>
-              <a:t>19/5/12</a:t>
+              <a:t>19/5/13</a:t>
             </a:fld>
             <a:endParaRPr kumimoji="1" lang="zh-CN" altLang="en-US"/>
           </a:p>
@@ -1898,7 +1898,7 @@
           <a:p>
             <a:fld id="{0FEC98C1-A7DC-9244-867F-999528E079BC}" type="datetimeFigureOut">
               <a:rPr kumimoji="1" lang="zh-CN" altLang="en-US" smtClean="0"/>
-              <a:t>19/5/12</a:t>
+              <a:t>19/5/13</a:t>
             </a:fld>
             <a:endParaRPr kumimoji="1" lang="zh-CN" altLang="en-US"/>
           </a:p>
@@ -1993,7 +1993,7 @@
           <a:p>
             <a:fld id="{0FEC98C1-A7DC-9244-867F-999528E079BC}" type="datetimeFigureOut">
               <a:rPr kumimoji="1" lang="zh-CN" altLang="en-US" smtClean="0"/>
-              <a:t>19/5/12</a:t>
+              <a:t>19/5/13</a:t>
             </a:fld>
             <a:endParaRPr kumimoji="1" lang="zh-CN" altLang="en-US"/>
           </a:p>
@@ -2270,7 +2270,7 @@
           <a:p>
             <a:fld id="{0FEC98C1-A7DC-9244-867F-999528E079BC}" type="datetimeFigureOut">
               <a:rPr kumimoji="1" lang="zh-CN" altLang="en-US" smtClean="0"/>
-              <a:t>19/5/12</a:t>
+              <a:t>19/5/13</a:t>
             </a:fld>
             <a:endParaRPr kumimoji="1" lang="zh-CN" altLang="en-US"/>
           </a:p>
@@ -2523,7 +2523,7 @@
           <a:p>
             <a:fld id="{0FEC98C1-A7DC-9244-867F-999528E079BC}" type="datetimeFigureOut">
               <a:rPr kumimoji="1" lang="zh-CN" altLang="en-US" smtClean="0"/>
-              <a:t>19/5/12</a:t>
+              <a:t>19/5/13</a:t>
             </a:fld>
             <a:endParaRPr kumimoji="1" lang="zh-CN" altLang="en-US"/>
           </a:p>
@@ -2736,7 +2736,7 @@
           <a:p>
             <a:fld id="{0FEC98C1-A7DC-9244-867F-999528E079BC}" type="datetimeFigureOut">
               <a:rPr kumimoji="1" lang="zh-CN" altLang="en-US" smtClean="0"/>
-              <a:t>19/5/12</a:t>
+              <a:t>19/5/13</a:t>
             </a:fld>
             <a:endParaRPr kumimoji="1" lang="zh-CN" altLang="en-US"/>
           </a:p>
@@ -4747,7 +4747,11 @@
               </a:r>
               <a:r>
                 <a:rPr lang="en-US" altLang="zh-CN" sz="800" dirty="0" smtClean="0"/>
-                <a:t>()</a:t>
+                <a:t>(</a:t>
+              </a:r>
+              <a:r>
+                <a:rPr lang="en-US" altLang="zh-CN" sz="800" dirty="0" smtClean="0"/>
+                <a:t>)</a:t>
               </a:r>
               <a:endParaRPr lang="zh-CN" altLang="en-US" sz="600" dirty="0">
                 <a:solidFill>
@@ -6416,27 +6420,7 @@
                   <a:latin typeface="Minion Pro Bold Cond"/>
                   <a:cs typeface="Minion Pro Bold Cond"/>
                 </a:rPr>
-                <a:t>pop</a:t>
-              </a:r>
-              <a:r>
-                <a:rPr lang="en-US" altLang="zh-CN" sz="1200" dirty="0" smtClean="0">
-                  <a:solidFill>
-                    <a:schemeClr val="tx2"/>
-                  </a:solidFill>
-                  <a:latin typeface="Minion Pro Bold Cond"/>
-                  <a:cs typeface="Minion Pro Bold Cond"/>
-                </a:rPr>
-                <a:t>(</a:t>
-              </a:r>
-              <a:r>
-                <a:rPr lang="en-US" altLang="zh-CN" sz="1200" dirty="0" smtClean="0">
-                  <a:solidFill>
-                    <a:schemeClr val="tx2"/>
-                  </a:solidFill>
-                  <a:latin typeface="Minion Pro Bold Cond"/>
-                  <a:cs typeface="Minion Pro Bold Cond"/>
-                </a:rPr>
-                <a:t>)</a:t>
+                <a:t>pop()</a:t>
               </a:r>
               <a:endParaRPr lang="zh-CN" altLang="en-US" sz="1200" dirty="0">
                 <a:solidFill>
@@ -6599,13 +6583,6 @@
                     </a:rPr>
                     <a:t>nextCh</a:t>
                   </a:r>
-                  <a:endParaRPr lang="en-US" altLang="zh-CN" sz="1200" dirty="0" smtClean="0">
-                    <a:solidFill>
-                      <a:schemeClr val="tx2"/>
-                    </a:solidFill>
-                    <a:latin typeface="Minion Pro Bold Cond"/>
-                    <a:cs typeface="Minion Pro Bold Cond"/>
-                  </a:endParaRPr>
                 </a:p>
               </p:txBody>
             </p:sp>
@@ -6680,13 +6657,6 @@
                     </a:rPr>
                     <a:t>addCh</a:t>
                   </a:r>
-                  <a:endParaRPr lang="en-US" altLang="zh-CN" sz="1200" dirty="0" smtClean="0">
-                    <a:solidFill>
-                      <a:schemeClr val="tx2"/>
-                    </a:solidFill>
-                    <a:latin typeface="Minion Pro Bold Cond"/>
-                    <a:cs typeface="Minion Pro Bold Cond"/>
-                  </a:endParaRPr>
                 </a:p>
               </p:txBody>
             </p:sp>
@@ -6877,17 +6847,7 @@
                   <a:latin typeface="Minion Pro Bold Cond"/>
                   <a:cs typeface="Minion Pro Bold Cond"/>
                 </a:rPr>
-                <a:t>rum</a:t>
-              </a:r>
-              <a:r>
-                <a:rPr lang="en-US" altLang="zh-CN" sz="1200" dirty="0" smtClean="0">
-                  <a:solidFill>
-                    <a:schemeClr val="tx2"/>
-                  </a:solidFill>
-                  <a:latin typeface="Minion Pro Bold Cond"/>
-                  <a:cs typeface="Minion Pro Bold Cond"/>
-                </a:rPr>
-                <a:t>(</a:t>
+                <a:t>run(</a:t>
               </a:r>
               <a:r>
                 <a:rPr lang="en-US" altLang="zh-CN" sz="1200" dirty="0" smtClean="0">
@@ -9999,17 +9959,7 @@
                   <a:latin typeface="Minion Pro Bold Cond"/>
                   <a:cs typeface="Minion Pro Bold Cond"/>
                 </a:rPr>
-                <a:t>(</a:t>
-              </a:r>
-              <a:r>
-                <a:rPr lang="en-US" altLang="zh-CN" sz="1200" dirty="0" smtClean="0">
-                  <a:solidFill>
-                    <a:schemeClr val="tx2"/>
-                  </a:solidFill>
-                  <a:latin typeface="Minion Pro Bold Cond"/>
-                  <a:cs typeface="Minion Pro Bold Cond"/>
-                </a:rPr>
-                <a:t>)</a:t>
+                <a:t>()</a:t>
               </a:r>
               <a:endParaRPr lang="zh-CN" altLang="en-US" sz="1200" dirty="0">
                 <a:solidFill>
